--- a/.gitbook/Edit_image.pptx
+++ b/.gitbook/Edit_image.pptx
@@ -6,6 +6,7 @@
   </p:sldMasterIdLst>
   <p:sldIdLst>
     <p:sldId id="256" r:id="rId2"/>
+    <p:sldId id="257" r:id="rId3"/>
   </p:sldIdLst>
   <p:sldSz cx="12192000" cy="6858000"/>
   <p:notesSz cx="6858000" cy="9144000"/>
@@ -259,7 +260,7 @@
           <a:p>
             <a:fld id="{16513FFF-F7DA-4709-93C4-32D685A19794}" type="datetimeFigureOut">
               <a:rPr lang="ko-KR" altLang="en-US" smtClean="0"/>
-              <a:t>2024-08-28</a:t>
+              <a:t>2024-09-09</a:t>
             </a:fld>
             <a:endParaRPr lang="ko-KR" altLang="en-US"/>
           </a:p>
@@ -457,7 +458,7 @@
           <a:p>
             <a:fld id="{16513FFF-F7DA-4709-93C4-32D685A19794}" type="datetimeFigureOut">
               <a:rPr lang="ko-KR" altLang="en-US" smtClean="0"/>
-              <a:t>2024-08-28</a:t>
+              <a:t>2024-09-09</a:t>
             </a:fld>
             <a:endParaRPr lang="ko-KR" altLang="en-US"/>
           </a:p>
@@ -665,7 +666,7 @@
           <a:p>
             <a:fld id="{16513FFF-F7DA-4709-93C4-32D685A19794}" type="datetimeFigureOut">
               <a:rPr lang="ko-KR" altLang="en-US" smtClean="0"/>
-              <a:t>2024-08-28</a:t>
+              <a:t>2024-09-09</a:t>
             </a:fld>
             <a:endParaRPr lang="ko-KR" altLang="en-US"/>
           </a:p>
@@ -863,7 +864,7 @@
           <a:p>
             <a:fld id="{16513FFF-F7DA-4709-93C4-32D685A19794}" type="datetimeFigureOut">
               <a:rPr lang="ko-KR" altLang="en-US" smtClean="0"/>
-              <a:t>2024-08-28</a:t>
+              <a:t>2024-09-09</a:t>
             </a:fld>
             <a:endParaRPr lang="ko-KR" altLang="en-US"/>
           </a:p>
@@ -1138,7 +1139,7 @@
           <a:p>
             <a:fld id="{16513FFF-F7DA-4709-93C4-32D685A19794}" type="datetimeFigureOut">
               <a:rPr lang="ko-KR" altLang="en-US" smtClean="0"/>
-              <a:t>2024-08-28</a:t>
+              <a:t>2024-09-09</a:t>
             </a:fld>
             <a:endParaRPr lang="ko-KR" altLang="en-US"/>
           </a:p>
@@ -1403,7 +1404,7 @@
           <a:p>
             <a:fld id="{16513FFF-F7DA-4709-93C4-32D685A19794}" type="datetimeFigureOut">
               <a:rPr lang="ko-KR" altLang="en-US" smtClean="0"/>
-              <a:t>2024-08-28</a:t>
+              <a:t>2024-09-09</a:t>
             </a:fld>
             <a:endParaRPr lang="ko-KR" altLang="en-US"/>
           </a:p>
@@ -1815,7 +1816,7 @@
           <a:p>
             <a:fld id="{16513FFF-F7DA-4709-93C4-32D685A19794}" type="datetimeFigureOut">
               <a:rPr lang="ko-KR" altLang="en-US" smtClean="0"/>
-              <a:t>2024-08-28</a:t>
+              <a:t>2024-09-09</a:t>
             </a:fld>
             <a:endParaRPr lang="ko-KR" altLang="en-US"/>
           </a:p>
@@ -1956,7 +1957,7 @@
           <a:p>
             <a:fld id="{16513FFF-F7DA-4709-93C4-32D685A19794}" type="datetimeFigureOut">
               <a:rPr lang="ko-KR" altLang="en-US" smtClean="0"/>
-              <a:t>2024-08-28</a:t>
+              <a:t>2024-09-09</a:t>
             </a:fld>
             <a:endParaRPr lang="ko-KR" altLang="en-US"/>
           </a:p>
@@ -2069,7 +2070,7 @@
           <a:p>
             <a:fld id="{16513FFF-F7DA-4709-93C4-32D685A19794}" type="datetimeFigureOut">
               <a:rPr lang="ko-KR" altLang="en-US" smtClean="0"/>
-              <a:t>2024-08-28</a:t>
+              <a:t>2024-09-09</a:t>
             </a:fld>
             <a:endParaRPr lang="ko-KR" altLang="en-US"/>
           </a:p>
@@ -2380,7 +2381,7 @@
           <a:p>
             <a:fld id="{16513FFF-F7DA-4709-93C4-32D685A19794}" type="datetimeFigureOut">
               <a:rPr lang="ko-KR" altLang="en-US" smtClean="0"/>
-              <a:t>2024-08-28</a:t>
+              <a:t>2024-09-09</a:t>
             </a:fld>
             <a:endParaRPr lang="ko-KR" altLang="en-US"/>
           </a:p>
@@ -2668,7 +2669,7 @@
           <a:p>
             <a:fld id="{16513FFF-F7DA-4709-93C4-32D685A19794}" type="datetimeFigureOut">
               <a:rPr lang="ko-KR" altLang="en-US" smtClean="0"/>
-              <a:t>2024-08-28</a:t>
+              <a:t>2024-09-09</a:t>
             </a:fld>
             <a:endParaRPr lang="ko-KR" altLang="en-US"/>
           </a:p>
@@ -2909,7 +2910,7 @@
           <a:p>
             <a:fld id="{16513FFF-F7DA-4709-93C4-32D685A19794}" type="datetimeFigureOut">
               <a:rPr lang="ko-KR" altLang="en-US" smtClean="0"/>
-              <a:t>2024-08-28</a:t>
+              <a:t>2024-09-09</a:t>
             </a:fld>
             <a:endParaRPr lang="ko-KR" altLang="en-US"/>
           </a:p>
@@ -3328,6 +3329,118 @@
       </p:grpSpPr>
       <p:pic>
         <p:nvPicPr>
+          <p:cNvPr id="3" name="그림 2" descr="텍스트, 스크린샷, 폰트, 번호이(가) 표시된 사진&#10;&#10;자동 생성된 설명">
+            <a:extLst>
+              <a:ext uri="{FF2B5EF4-FFF2-40B4-BE49-F238E27FC236}">
+                <a16:creationId xmlns:a16="http://schemas.microsoft.com/office/drawing/2014/main" id="{3AEC58AD-18B8-FAE8-A0A8-FEDFE5367DB6}"/>
+              </a:ext>
+            </a:extLst>
+          </p:cNvPr>
+          <p:cNvPicPr>
+            <a:picLocks noChangeAspect="1"/>
+          </p:cNvPicPr>
+          <p:nvPr/>
+        </p:nvPicPr>
+        <p:blipFill>
+          <a:blip r:embed="rId2">
+            <a:extLst>
+              <a:ext uri="{28A0092B-C50C-407E-A947-70E740481C1C}">
+                <a14:useLocalDpi xmlns:a14="http://schemas.microsoft.com/office/drawing/2010/main" val="0"/>
+              </a:ext>
+            </a:extLst>
+          </a:blip>
+          <a:stretch>
+            <a:fillRect/>
+          </a:stretch>
+        </p:blipFill>
+        <p:spPr>
+          <a:xfrm>
+            <a:off x="588000" y="491400"/>
+            <a:ext cx="4419600" cy="1885950"/>
+          </a:xfrm>
+          <a:prstGeom prst="rect">
+            <a:avLst/>
+          </a:prstGeom>
+        </p:spPr>
+      </p:pic>
+      <p:sp>
+        <p:nvSpPr>
+          <p:cNvPr id="4" name="직사각형 3">
+            <a:extLst>
+              <a:ext uri="{FF2B5EF4-FFF2-40B4-BE49-F238E27FC236}">
+                <a16:creationId xmlns:a16="http://schemas.microsoft.com/office/drawing/2014/main" id="{7964DB90-093A-197E-A9EB-1026798DEE28}"/>
+              </a:ext>
+            </a:extLst>
+          </p:cNvPr>
+          <p:cNvSpPr/>
+          <p:nvPr/>
+        </p:nvSpPr>
+        <p:spPr>
+          <a:xfrm>
+            <a:off x="1497193" y="1425266"/>
+            <a:ext cx="1080000" cy="108000"/>
+          </a:xfrm>
+          <a:prstGeom prst="rect">
+            <a:avLst/>
+          </a:prstGeom>
+        </p:spPr>
+        <p:style>
+          <a:lnRef idx="2">
+            <a:schemeClr val="accent1">
+              <a:shade val="15000"/>
+            </a:schemeClr>
+          </a:lnRef>
+          <a:fillRef idx="1">
+            <a:schemeClr val="accent1"/>
+          </a:fillRef>
+          <a:effectRef idx="0">
+            <a:schemeClr val="accent1"/>
+          </a:effectRef>
+          <a:fontRef idx="minor">
+            <a:schemeClr val="lt1"/>
+          </a:fontRef>
+        </p:style>
+        <p:txBody>
+          <a:bodyPr rtlCol="0" anchor="ctr"/>
+          <a:lstStyle/>
+          <a:p>
+            <a:pPr algn="ctr"/>
+            <a:endParaRPr lang="ko-KR" altLang="en-US"/>
+          </a:p>
+        </p:txBody>
+      </p:sp>
+    </p:spTree>
+    <p:extLst>
+      <p:ext uri="{BB962C8B-B14F-4D97-AF65-F5344CB8AC3E}">
+        <p14:creationId xmlns:p14="http://schemas.microsoft.com/office/powerpoint/2010/main" val="4242856060"/>
+      </p:ext>
+    </p:extLst>
+  </p:cSld>
+  <p:clrMapOvr>
+    <a:masterClrMapping/>
+  </p:clrMapOvr>
+</p:sld>
+</file>
+
+<file path=ppt/slides/slide2.xml><?xml version="1.0" encoding="utf-8"?>
+<p:sld xmlns:a="http://schemas.openxmlformats.org/drawingml/2006/main" xmlns:r="http://schemas.openxmlformats.org/officeDocument/2006/relationships" xmlns:p="http://schemas.openxmlformats.org/presentationml/2006/main">
+  <p:cSld>
+    <p:spTree>
+      <p:nvGrpSpPr>
+        <p:cNvPr id="1" name=""/>
+        <p:cNvGrpSpPr/>
+        <p:nvPr/>
+      </p:nvGrpSpPr>
+      <p:grpSpPr>
+        <a:xfrm>
+          <a:off x="0" y="0"/>
+          <a:ext cx="0" cy="0"/>
+          <a:chOff x="0" y="0"/>
+          <a:chExt cx="0" cy="0"/>
+        </a:xfrm>
+      </p:grpSpPr>
+      <p:pic>
+        <p:nvPicPr>
           <p:cNvPr id="5" name="그림 4">
             <a:extLst>
               <a:ext uri="{FF2B5EF4-FFF2-40B4-BE49-F238E27FC236}">
@@ -3807,7 +3920,7 @@
     </p:spTree>
     <p:extLst>
       <p:ext uri="{BB962C8B-B14F-4D97-AF65-F5344CB8AC3E}">
-        <p14:creationId xmlns:p14="http://schemas.microsoft.com/office/powerpoint/2010/main" val="4242856060"/>
+        <p14:creationId xmlns:p14="http://schemas.microsoft.com/office/powerpoint/2010/main" val="359810726"/>
       </p:ext>
     </p:extLst>
   </p:cSld>
